--- a/APB_Present.pptx
+++ b/APB_Present.pptx
@@ -199,7 +199,7 @@
           <a:p>
             <a:fld id="{4E93E8C2-42AD-43C6-A441-B2C64C5796BB}" type="datetimeFigureOut">
               <a:rPr lang="en-US" smtClean="0"/>
-              <a:t>5/10/2018</a:t>
+              <a:t>5/11/2018</a:t>
             </a:fld>
             <a:endParaRPr lang="en-US"/>
           </a:p>
@@ -4308,13 +4308,7 @@
               <a:rPr lang="en-US" sz="2200" b="1" smtClean="0">
                 <a:latin typeface="+mn-lt"/>
               </a:rPr>
-              <a:t>Nguyen Cong Huan</a:t>
-            </a:r>
-            <a:r>
-              <a:rPr lang="en-US" sz="2200" b="1" smtClean="0">
-                <a:latin typeface="+mn-lt"/>
-              </a:rPr>
-              <a:t>, OA-ICT</a:t>
+              <a:t>Nguyen Cong Huan, OA-ICT</a:t>
             </a:r>
           </a:p>
           <a:p>
@@ -4350,9 +4344,6 @@
               </a:rPr>
               <a:t>Rev: 1.00</a:t>
             </a:r>
-            <a:endParaRPr lang="en-US" sz="2200" b="1" smtClean="0">
-              <a:latin typeface="+mn-lt"/>
-            </a:endParaRPr>
           </a:p>
         </p:txBody>
       </p:sp>
@@ -6174,6 +6165,452 @@
           </a:p>
         </p:txBody>
       </p:sp>
+      <p:pic>
+        <p:nvPicPr>
+          <p:cNvPr id="4" name="Picture 3"/>
+          <p:cNvPicPr>
+            <a:picLocks noChangeAspect="1"/>
+          </p:cNvPicPr>
+          <p:nvPr/>
+        </p:nvPicPr>
+        <p:blipFill>
+          <a:blip r:embed="rId2">
+            <a:extLst>
+              <a:ext uri="{28A0092B-C50C-407E-A947-70E740481C1C}">
+                <a14:useLocalDpi xmlns:a14="http://schemas.microsoft.com/office/drawing/2010/main" val="0"/>
+              </a:ext>
+            </a:extLst>
+          </a:blip>
+          <a:stretch>
+            <a:fillRect/>
+          </a:stretch>
+        </p:blipFill>
+        <p:spPr>
+          <a:xfrm>
+            <a:off x="1702964" y="1690101"/>
+            <a:ext cx="8812014" cy="3714412"/>
+          </a:xfrm>
+          <a:prstGeom prst="rect">
+            <a:avLst/>
+          </a:prstGeom>
+        </p:spPr>
+      </p:pic>
+      <p:sp>
+        <p:nvSpPr>
+          <p:cNvPr id="6" name="Rectangle 5"/>
+          <p:cNvSpPr/>
+          <p:nvPr/>
+        </p:nvSpPr>
+        <p:spPr>
+          <a:xfrm>
+            <a:off x="4053385" y="2047164"/>
+            <a:ext cx="1501254" cy="2169994"/>
+          </a:xfrm>
+          <a:prstGeom prst="rect">
+            <a:avLst/>
+          </a:prstGeom>
+          <a:noFill/>
+          <a:ln w="28575">
+            <a:solidFill>
+              <a:srgbClr val="FF0000"/>
+            </a:solidFill>
+          </a:ln>
+        </p:spPr>
+        <p:style>
+          <a:lnRef idx="2">
+            <a:schemeClr val="accent1">
+              <a:shade val="50000"/>
+            </a:schemeClr>
+          </a:lnRef>
+          <a:fillRef idx="1">
+            <a:schemeClr val="accent1"/>
+          </a:fillRef>
+          <a:effectRef idx="0">
+            <a:schemeClr val="accent1"/>
+          </a:effectRef>
+          <a:fontRef idx="minor">
+            <a:schemeClr val="lt1"/>
+          </a:fontRef>
+        </p:style>
+        <p:txBody>
+          <a:bodyPr rtlCol="0" anchor="ctr"/>
+          <a:lstStyle/>
+          <a:p>
+            <a:pPr algn="ctr"/>
+            <a:endParaRPr lang="en-US"/>
+          </a:p>
+        </p:txBody>
+      </p:sp>
+      <p:sp>
+        <p:nvSpPr>
+          <p:cNvPr id="7" name="Rectangle 6"/>
+          <p:cNvSpPr/>
+          <p:nvPr/>
+        </p:nvSpPr>
+        <p:spPr>
+          <a:xfrm>
+            <a:off x="777921" y="1050877"/>
+            <a:ext cx="2961565" cy="639224"/>
+          </a:xfrm>
+          <a:prstGeom prst="rect">
+            <a:avLst/>
+          </a:prstGeom>
+          <a:solidFill>
+            <a:schemeClr val="accent3"/>
+          </a:solidFill>
+        </p:spPr>
+        <p:style>
+          <a:lnRef idx="2">
+            <a:schemeClr val="accent1">
+              <a:shade val="50000"/>
+            </a:schemeClr>
+          </a:lnRef>
+          <a:fillRef idx="1">
+            <a:schemeClr val="accent1"/>
+          </a:fillRef>
+          <a:effectRef idx="0">
+            <a:schemeClr val="accent1"/>
+          </a:effectRef>
+          <a:fontRef idx="minor">
+            <a:schemeClr val="lt1"/>
+          </a:fontRef>
+        </p:style>
+        <p:txBody>
+          <a:bodyPr rtlCol="0" anchor="ctr"/>
+          <a:lstStyle/>
+          <a:p>
+            <a:pPr algn="ctr"/>
+            <a:r>
+              <a:rPr lang="en-US" dirty="0" smtClean="0">
+                <a:solidFill>
+                  <a:schemeClr val="bg1"/>
+                </a:solidFill>
+              </a:rPr>
+              <a:t>The Access phase is the same as no-wait-state</a:t>
+            </a:r>
+            <a:endParaRPr lang="en-US" dirty="0">
+              <a:solidFill>
+                <a:schemeClr val="bg1"/>
+              </a:solidFill>
+            </a:endParaRPr>
+          </a:p>
+        </p:txBody>
+      </p:sp>
+      <p:cxnSp>
+        <p:nvCxnSpPr>
+          <p:cNvPr id="9" name="Straight Arrow Connector 8"/>
+          <p:cNvCxnSpPr>
+            <a:endCxn id="7" idx="3"/>
+          </p:cNvCxnSpPr>
+          <p:nvPr/>
+        </p:nvCxnSpPr>
+        <p:spPr>
+          <a:xfrm flipH="1" flipV="1">
+            <a:off x="3739486" y="1370489"/>
+            <a:ext cx="1064526" cy="676675"/>
+          </a:xfrm>
+          <a:prstGeom prst="straightConnector1">
+            <a:avLst/>
+          </a:prstGeom>
+          <a:ln w="12700">
+            <a:solidFill>
+              <a:srgbClr val="FF0000"/>
+            </a:solidFill>
+            <a:tailEnd type="arrow"/>
+          </a:ln>
+        </p:spPr>
+        <p:style>
+          <a:lnRef idx="1">
+            <a:schemeClr val="accent1"/>
+          </a:lnRef>
+          <a:fillRef idx="0">
+            <a:schemeClr val="accent1"/>
+          </a:fillRef>
+          <a:effectRef idx="0">
+            <a:schemeClr val="accent1"/>
+          </a:effectRef>
+          <a:fontRef idx="minor">
+            <a:schemeClr val="tx1"/>
+          </a:fontRef>
+        </p:style>
+      </p:cxnSp>
+      <p:sp>
+        <p:nvSpPr>
+          <p:cNvPr id="12" name="Rectangle 11"/>
+          <p:cNvSpPr/>
+          <p:nvPr/>
+        </p:nvSpPr>
+        <p:spPr>
+          <a:xfrm>
+            <a:off x="5554639" y="4847230"/>
+            <a:ext cx="2238233" cy="379863"/>
+          </a:xfrm>
+          <a:prstGeom prst="rect">
+            <a:avLst/>
+          </a:prstGeom>
+          <a:noFill/>
+          <a:ln w="28575">
+            <a:solidFill>
+              <a:srgbClr val="FF0000"/>
+            </a:solidFill>
+          </a:ln>
+        </p:spPr>
+        <p:style>
+          <a:lnRef idx="2">
+            <a:schemeClr val="accent1">
+              <a:shade val="50000"/>
+            </a:schemeClr>
+          </a:lnRef>
+          <a:fillRef idx="1">
+            <a:schemeClr val="accent1"/>
+          </a:fillRef>
+          <a:effectRef idx="0">
+            <a:schemeClr val="accent1"/>
+          </a:effectRef>
+          <a:fontRef idx="minor">
+            <a:schemeClr val="lt1"/>
+          </a:fontRef>
+        </p:style>
+        <p:txBody>
+          <a:bodyPr rtlCol="0" anchor="ctr"/>
+          <a:lstStyle/>
+          <a:p>
+            <a:pPr algn="ctr"/>
+            <a:endParaRPr lang="en-US"/>
+          </a:p>
+        </p:txBody>
+      </p:sp>
+      <p:sp>
+        <p:nvSpPr>
+          <p:cNvPr id="13" name="Rectangle 12"/>
+          <p:cNvSpPr/>
+          <p:nvPr/>
+        </p:nvSpPr>
+        <p:spPr>
+          <a:xfrm>
+            <a:off x="4353635" y="5568286"/>
+            <a:ext cx="2961565" cy="639224"/>
+          </a:xfrm>
+          <a:prstGeom prst="rect">
+            <a:avLst/>
+          </a:prstGeom>
+          <a:solidFill>
+            <a:schemeClr val="accent3"/>
+          </a:solidFill>
+        </p:spPr>
+        <p:style>
+          <a:lnRef idx="2">
+            <a:schemeClr val="accent1">
+              <a:shade val="50000"/>
+            </a:schemeClr>
+          </a:lnRef>
+          <a:fillRef idx="1">
+            <a:schemeClr val="accent1"/>
+          </a:fillRef>
+          <a:effectRef idx="0">
+            <a:schemeClr val="accent1"/>
+          </a:effectRef>
+          <a:fontRef idx="minor">
+            <a:schemeClr val="lt1"/>
+          </a:fontRef>
+        </p:style>
+        <p:txBody>
+          <a:bodyPr rtlCol="0" anchor="ctr"/>
+          <a:lstStyle/>
+          <a:p>
+            <a:pPr algn="ctr"/>
+            <a:r>
+              <a:rPr lang="en-US" dirty="0" smtClean="0">
+                <a:solidFill>
+                  <a:schemeClr val="bg1"/>
+                </a:solidFill>
+              </a:rPr>
+              <a:t>PREADY set to LOW to extend the transfer</a:t>
+            </a:r>
+            <a:endParaRPr lang="en-US" dirty="0">
+              <a:solidFill>
+                <a:schemeClr val="bg1"/>
+              </a:solidFill>
+            </a:endParaRPr>
+          </a:p>
+        </p:txBody>
+      </p:sp>
+      <p:cxnSp>
+        <p:nvCxnSpPr>
+          <p:cNvPr id="14" name="Straight Arrow Connector 13"/>
+          <p:cNvCxnSpPr>
+            <a:stCxn id="12" idx="2"/>
+            <a:endCxn id="13" idx="0"/>
+          </p:cNvCxnSpPr>
+          <p:nvPr/>
+        </p:nvCxnSpPr>
+        <p:spPr>
+          <a:xfrm flipH="1">
+            <a:off x="5834418" y="5227093"/>
+            <a:ext cx="839338" cy="341193"/>
+          </a:xfrm>
+          <a:prstGeom prst="straightConnector1">
+            <a:avLst/>
+          </a:prstGeom>
+          <a:ln w="12700">
+            <a:solidFill>
+              <a:srgbClr val="FF0000"/>
+            </a:solidFill>
+            <a:tailEnd type="arrow"/>
+          </a:ln>
+        </p:spPr>
+        <p:style>
+          <a:lnRef idx="1">
+            <a:schemeClr val="accent1"/>
+          </a:lnRef>
+          <a:fillRef idx="0">
+            <a:schemeClr val="accent1"/>
+          </a:fillRef>
+          <a:effectRef idx="0">
+            <a:schemeClr val="accent1"/>
+          </a:effectRef>
+          <a:fontRef idx="minor">
+            <a:schemeClr val="tx1"/>
+          </a:fontRef>
+        </p:style>
+      </p:cxnSp>
+      <p:sp>
+        <p:nvSpPr>
+          <p:cNvPr id="17" name="Rectangle 16"/>
+          <p:cNvSpPr/>
+          <p:nvPr/>
+        </p:nvSpPr>
+        <p:spPr>
+          <a:xfrm>
+            <a:off x="8679976" y="3316406"/>
+            <a:ext cx="272955" cy="1545609"/>
+          </a:xfrm>
+          <a:prstGeom prst="rect">
+            <a:avLst/>
+          </a:prstGeom>
+          <a:noFill/>
+          <a:ln w="28575">
+            <a:solidFill>
+              <a:srgbClr val="FF0000"/>
+            </a:solidFill>
+          </a:ln>
+        </p:spPr>
+        <p:style>
+          <a:lnRef idx="2">
+            <a:schemeClr val="accent1">
+              <a:shade val="50000"/>
+            </a:schemeClr>
+          </a:lnRef>
+          <a:fillRef idx="1">
+            <a:schemeClr val="accent1"/>
+          </a:fillRef>
+          <a:effectRef idx="0">
+            <a:schemeClr val="accent1"/>
+          </a:effectRef>
+          <a:fontRef idx="minor">
+            <a:schemeClr val="lt1"/>
+          </a:fontRef>
+        </p:style>
+        <p:txBody>
+          <a:bodyPr rtlCol="0" anchor="ctr"/>
+          <a:lstStyle/>
+          <a:p>
+            <a:pPr algn="ctr"/>
+            <a:endParaRPr lang="en-US"/>
+          </a:p>
+        </p:txBody>
+      </p:sp>
+      <p:sp>
+        <p:nvSpPr>
+          <p:cNvPr id="19" name="Rectangle 18"/>
+          <p:cNvSpPr/>
+          <p:nvPr/>
+        </p:nvSpPr>
+        <p:spPr>
+          <a:xfrm>
+            <a:off x="8420668" y="5568286"/>
+            <a:ext cx="2961565" cy="639224"/>
+          </a:xfrm>
+          <a:prstGeom prst="rect">
+            <a:avLst/>
+          </a:prstGeom>
+          <a:solidFill>
+            <a:schemeClr val="accent3"/>
+          </a:solidFill>
+        </p:spPr>
+        <p:style>
+          <a:lnRef idx="2">
+            <a:schemeClr val="accent1">
+              <a:shade val="50000"/>
+            </a:schemeClr>
+          </a:lnRef>
+          <a:fillRef idx="1">
+            <a:schemeClr val="accent1"/>
+          </a:fillRef>
+          <a:effectRef idx="0">
+            <a:schemeClr val="accent1"/>
+          </a:effectRef>
+          <a:fontRef idx="minor">
+            <a:schemeClr val="lt1"/>
+          </a:fontRef>
+        </p:style>
+        <p:txBody>
+          <a:bodyPr rtlCol="0" anchor="ctr"/>
+          <a:lstStyle/>
+          <a:p>
+            <a:pPr algn="ctr"/>
+            <a:r>
+              <a:rPr lang="en-US" dirty="0" smtClean="0">
+                <a:solidFill>
+                  <a:schemeClr val="bg1"/>
+                </a:solidFill>
+              </a:rPr>
+              <a:t>The transfer complete,  all control signals go to LOW</a:t>
+            </a:r>
+            <a:endParaRPr lang="en-US" dirty="0">
+              <a:solidFill>
+                <a:schemeClr val="bg1"/>
+              </a:solidFill>
+            </a:endParaRPr>
+          </a:p>
+        </p:txBody>
+      </p:sp>
+      <p:cxnSp>
+        <p:nvCxnSpPr>
+          <p:cNvPr id="20" name="Straight Arrow Connector 19"/>
+          <p:cNvCxnSpPr/>
+          <p:nvPr/>
+        </p:nvCxnSpPr>
+        <p:spPr>
+          <a:xfrm>
+            <a:off x="8816453" y="4862015"/>
+            <a:ext cx="955344" cy="706270"/>
+          </a:xfrm>
+          <a:prstGeom prst="straightConnector1">
+            <a:avLst/>
+          </a:prstGeom>
+          <a:ln w="12700">
+            <a:solidFill>
+              <a:srgbClr val="FF0000"/>
+            </a:solidFill>
+            <a:tailEnd type="arrow"/>
+          </a:ln>
+        </p:spPr>
+        <p:style>
+          <a:lnRef idx="1">
+            <a:schemeClr val="accent1"/>
+          </a:lnRef>
+          <a:fillRef idx="0">
+            <a:schemeClr val="accent1"/>
+          </a:fillRef>
+          <a:effectRef idx="0">
+            <a:schemeClr val="accent1"/>
+          </a:effectRef>
+          <a:fontRef idx="minor">
+            <a:schemeClr val="tx1"/>
+          </a:fontRef>
+        </p:style>
+      </p:cxnSp>
     </p:spTree>
     <p:extLst>
       <p:ext uri="{BB962C8B-B14F-4D97-AF65-F5344CB8AC3E}">
@@ -6399,10 +6836,18 @@
           <a:lstStyle/>
           <a:p>
             <a:r>
-              <a:rPr lang="en-US" smtClean="0"/>
+              <a:rPr lang="en-US" dirty="0" smtClean="0">
+                <a:solidFill>
+                  <a:schemeClr val="bg1"/>
+                </a:solidFill>
+              </a:rPr>
               <a:t>PSEL set to HIGH, start Setup phase</a:t>
             </a:r>
-            <a:endParaRPr lang="en-US"/>
+            <a:endParaRPr lang="en-US" dirty="0">
+              <a:solidFill>
+                <a:schemeClr val="bg1"/>
+              </a:solidFill>
+            </a:endParaRPr>
           </a:p>
         </p:txBody>
       </p:sp>
@@ -6518,10 +6963,18 @@
           <a:lstStyle/>
           <a:p>
             <a:r>
-              <a:rPr lang="en-US" smtClean="0"/>
+              <a:rPr lang="en-US" dirty="0" smtClean="0">
+                <a:solidFill>
+                  <a:schemeClr val="bg1"/>
+                </a:solidFill>
+              </a:rPr>
               <a:t>PWRITE set to LOW, Read transfer</a:t>
             </a:r>
-            <a:endParaRPr lang="en-US"/>
+            <a:endParaRPr lang="en-US" dirty="0">
+              <a:solidFill>
+                <a:schemeClr val="bg1"/>
+              </a:solidFill>
+            </a:endParaRPr>
           </a:p>
         </p:txBody>
       </p:sp>
@@ -6601,10 +7054,18 @@
           <a:lstStyle/>
           <a:p>
             <a:r>
-              <a:rPr lang="en-US" smtClean="0"/>
+              <a:rPr lang="en-US" dirty="0" smtClean="0">
+                <a:solidFill>
+                  <a:schemeClr val="bg1"/>
+                </a:solidFill>
+              </a:rPr>
               <a:t>After 1 cycle, PENABLE is asserted, start Access phase</a:t>
             </a:r>
-            <a:endParaRPr lang="en-US"/>
+            <a:endParaRPr lang="en-US" dirty="0">
+              <a:solidFill>
+                <a:schemeClr val="bg1"/>
+              </a:solidFill>
+            </a:endParaRPr>
           </a:p>
         </p:txBody>
       </p:sp>
@@ -6762,10 +7223,18 @@
           <a:lstStyle/>
           <a:p>
             <a:r>
-              <a:rPr lang="en-US" smtClean="0"/>
+              <a:rPr lang="en-US" dirty="0" smtClean="0">
+                <a:solidFill>
+                  <a:schemeClr val="bg1"/>
+                </a:solidFill>
+              </a:rPr>
               <a:t>The transfer completes, another transfer start so PSEL still HIGH</a:t>
             </a:r>
-            <a:endParaRPr lang="en-US"/>
+            <a:endParaRPr lang="en-US" dirty="0">
+              <a:solidFill>
+                <a:schemeClr val="bg1"/>
+              </a:solidFill>
+            </a:endParaRPr>
           </a:p>
         </p:txBody>
       </p:sp>
@@ -7118,7 +7587,7 @@
   <a:extraClrSchemeLst/>
   <a:extLst>
     <a:ext uri="{05A4C25C-085E-4340-85A3-A5531E510DB2}">
-      <thm15:themeFamily xmlns:thm15="http://schemas.microsoft.com/office/thememl/2012/main" name="Office Theme" id="{62F939B6-93AF-4DB8-9C6B-D6C7DFDC589F}" vid="{4A3C46E8-61CC-4603-A589-7422A47A8E4A}"/>
+      <thm15:themeFamily xmlns:thm15="http://schemas.microsoft.com/office/thememl/2012/main" xmlns="" name="Office Theme" id="{62F939B6-93AF-4DB8-9C6B-D6C7DFDC589F}" vid="{4A3C46E8-61CC-4603-A589-7422A47A8E4A}"/>
     </a:ext>
   </a:extLst>
 </a:theme>
@@ -7379,7 +7848,7 @@
   <a:extraClrSchemeLst/>
   <a:extLst>
     <a:ext uri="{05A4C25C-085E-4340-85A3-A5531E510DB2}">
-      <thm15:themeFamily xmlns:thm15="http://schemas.microsoft.com/office/thememl/2012/main" name="Office Theme" id="{62F939B6-93AF-4DB8-9C6B-D6C7DFDC589F}" vid="{4A3C46E8-61CC-4603-A589-7422A47A8E4A}"/>
+      <thm15:themeFamily xmlns:thm15="http://schemas.microsoft.com/office/thememl/2012/main" xmlns="" name="Office Theme" id="{62F939B6-93AF-4DB8-9C6B-D6C7DFDC589F}" vid="{4A3C46E8-61CC-4603-A589-7422A47A8E4A}"/>
     </a:ext>
   </a:extLst>
 </a:theme>
